--- a/ppt/PythonMath09-Stats.pptx
+++ b/ppt/PythonMath09-Stats.pptx
@@ -613,35 +613,35 @@
           <a:p>
             <a:pPr lvl="0"/>
             <a:r>
-              <a:rPr lang="fr-FR" noProof="0" smtClean="0"/>
+              <a:rPr lang="fr-FR" noProof="0"/>
               <a:t>Cliquez pour modifier les styles du texte du masque</a:t>
             </a:r>
           </a:p>
           <a:p>
             <a:pPr lvl="1"/>
             <a:r>
-              <a:rPr lang="fr-FR" noProof="0" smtClean="0"/>
+              <a:rPr lang="fr-FR" noProof="0"/>
               <a:t>Deuxième niveau</a:t>
             </a:r>
           </a:p>
           <a:p>
             <a:pPr lvl="2"/>
             <a:r>
-              <a:rPr lang="fr-FR" noProof="0" smtClean="0"/>
+              <a:rPr lang="fr-FR" noProof="0"/>
               <a:t>Troisième niveau</a:t>
             </a:r>
           </a:p>
           <a:p>
             <a:pPr lvl="3"/>
             <a:r>
-              <a:rPr lang="fr-FR" noProof="0" smtClean="0"/>
+              <a:rPr lang="fr-FR" noProof="0"/>
               <a:t>Quatrième niveau</a:t>
             </a:r>
           </a:p>
           <a:p>
             <a:pPr lvl="4"/>
             <a:r>
-              <a:rPr lang="fr-FR" noProof="0" smtClean="0"/>
+              <a:rPr lang="fr-FR" noProof="0"/>
               <a:t>Cinquième niveau</a:t>
             </a:r>
           </a:p>
@@ -929,10 +929,9 @@
           <a:lstStyle/>
           <a:p>
             <a:r>
-              <a:rPr lang="fr-FR" smtClean="0"/>
+              <a:rPr lang="fr-FR"/>
               <a:t>Cliquez pour modifier le style du titre</a:t>
             </a:r>
-            <a:endParaRPr lang="fr-FR"/>
           </a:p>
         </p:txBody>
       </p:sp>
@@ -994,10 +993,9 @@
           </a:lstStyle>
           <a:p>
             <a:r>
-              <a:rPr lang="fr-FR" smtClean="0"/>
+              <a:rPr lang="fr-FR"/>
               <a:t>Cliquez pour modifier le style des sous-titres du masque</a:t>
             </a:r>
-            <a:endParaRPr lang="fr-FR"/>
           </a:p>
         </p:txBody>
       </p:sp>
@@ -1052,10 +1050,9 @@
           <a:lstStyle/>
           <a:p>
             <a:r>
-              <a:rPr lang="fr-FR" smtClean="0"/>
+              <a:rPr lang="fr-FR"/>
               <a:t>Cliquez pour modifier le style du titre</a:t>
             </a:r>
-            <a:endParaRPr lang="fr-FR"/>
           </a:p>
         </p:txBody>
       </p:sp>
@@ -1081,38 +1078,37 @@
           <a:p>
             <a:pPr lvl="0"/>
             <a:r>
-              <a:rPr lang="fr-FR" smtClean="0"/>
+              <a:rPr lang="fr-FR"/>
               <a:t>Cliquez pour modifier les styles du texte du masque</a:t>
             </a:r>
           </a:p>
           <a:p>
             <a:pPr lvl="1"/>
             <a:r>
-              <a:rPr lang="fr-FR" smtClean="0"/>
+              <a:rPr lang="fr-FR"/>
               <a:t>Deuxième niveau</a:t>
             </a:r>
           </a:p>
           <a:p>
             <a:pPr lvl="2"/>
             <a:r>
-              <a:rPr lang="fr-FR" smtClean="0"/>
+              <a:rPr lang="fr-FR"/>
               <a:t>Troisième niveau</a:t>
             </a:r>
           </a:p>
           <a:p>
             <a:pPr lvl="3"/>
             <a:r>
-              <a:rPr lang="fr-FR" smtClean="0"/>
+              <a:rPr lang="fr-FR"/>
               <a:t>Quatrième niveau</a:t>
             </a:r>
           </a:p>
           <a:p>
             <a:pPr lvl="4"/>
             <a:r>
-              <a:rPr lang="fr-FR" smtClean="0"/>
+              <a:rPr lang="fr-FR"/>
               <a:t>Cinquième niveau</a:t>
             </a:r>
-            <a:endParaRPr lang="fr-FR"/>
           </a:p>
         </p:txBody>
       </p:sp>
@@ -1171,10 +1167,9 @@
           </a:lstStyle>
           <a:p>
             <a:r>
-              <a:rPr lang="fr-FR" dirty="0" smtClean="0"/>
+              <a:rPr lang="fr-FR" dirty="0"/>
               <a:t>Cliquez pour modifier le style du titre</a:t>
             </a:r>
-            <a:endParaRPr lang="fr-FR" dirty="0"/>
           </a:p>
         </p:txBody>
       </p:sp>
@@ -1200,38 +1195,37 @@
           <a:p>
             <a:pPr lvl="0"/>
             <a:r>
-              <a:rPr lang="fr-FR" dirty="0" smtClean="0"/>
+              <a:rPr lang="fr-FR" dirty="0"/>
               <a:t>Cliquez pour modifier les styles du texte du masque</a:t>
             </a:r>
           </a:p>
           <a:p>
             <a:pPr lvl="1"/>
             <a:r>
-              <a:rPr lang="fr-FR" dirty="0" smtClean="0"/>
+              <a:rPr lang="fr-FR" dirty="0"/>
               <a:t>Deuxième niveau</a:t>
             </a:r>
           </a:p>
           <a:p>
             <a:pPr lvl="2"/>
             <a:r>
-              <a:rPr lang="fr-FR" dirty="0" smtClean="0"/>
+              <a:rPr lang="fr-FR" dirty="0"/>
               <a:t>Troisième niveau</a:t>
             </a:r>
           </a:p>
           <a:p>
             <a:pPr lvl="3"/>
             <a:r>
-              <a:rPr lang="fr-FR" dirty="0" smtClean="0"/>
+              <a:rPr lang="fr-FR" dirty="0"/>
               <a:t>Quatrième niveau</a:t>
             </a:r>
           </a:p>
           <a:p>
             <a:pPr lvl="4"/>
             <a:r>
-              <a:rPr lang="fr-FR" dirty="0" smtClean="0"/>
+              <a:rPr lang="fr-FR" dirty="0"/>
               <a:t>Cinquième niveau</a:t>
             </a:r>
-            <a:endParaRPr lang="fr-FR" dirty="0"/>
           </a:p>
         </p:txBody>
       </p:sp>
@@ -1281,10 +1275,9 @@
           <a:lstStyle/>
           <a:p>
             <a:r>
-              <a:rPr lang="fr-FR" smtClean="0"/>
+              <a:rPr lang="fr-FR"/>
               <a:t>Cliquez pour modifier le style du titre</a:t>
             </a:r>
-            <a:endParaRPr lang="fr-FR"/>
           </a:p>
         </p:txBody>
       </p:sp>
@@ -1338,38 +1331,37 @@
           <a:p>
             <a:pPr lvl="0"/>
             <a:r>
-              <a:rPr lang="fr-FR" smtClean="0"/>
+              <a:rPr lang="fr-FR"/>
               <a:t>Cliquez pour modifier les styles du texte du masque</a:t>
             </a:r>
           </a:p>
           <a:p>
             <a:pPr lvl="1"/>
             <a:r>
-              <a:rPr lang="fr-FR" smtClean="0"/>
+              <a:rPr lang="fr-FR"/>
               <a:t>Deuxième niveau</a:t>
             </a:r>
           </a:p>
           <a:p>
             <a:pPr lvl="2"/>
             <a:r>
-              <a:rPr lang="fr-FR" smtClean="0"/>
+              <a:rPr lang="fr-FR"/>
               <a:t>Troisième niveau</a:t>
             </a:r>
           </a:p>
           <a:p>
             <a:pPr lvl="3"/>
             <a:r>
-              <a:rPr lang="fr-FR" smtClean="0"/>
+              <a:rPr lang="fr-FR"/>
               <a:t>Quatrième niveau</a:t>
             </a:r>
           </a:p>
           <a:p>
             <a:pPr lvl="4"/>
             <a:r>
-              <a:rPr lang="fr-FR" smtClean="0"/>
+              <a:rPr lang="fr-FR"/>
               <a:t>Cinquième niveau</a:t>
             </a:r>
-            <a:endParaRPr lang="fr-FR"/>
           </a:p>
         </p:txBody>
       </p:sp>
@@ -1423,38 +1415,37 @@
           <a:p>
             <a:pPr lvl="0"/>
             <a:r>
-              <a:rPr lang="fr-FR" smtClean="0"/>
+              <a:rPr lang="fr-FR"/>
               <a:t>Cliquez pour modifier les styles du texte du masque</a:t>
             </a:r>
           </a:p>
           <a:p>
             <a:pPr lvl="1"/>
             <a:r>
-              <a:rPr lang="fr-FR" smtClean="0"/>
+              <a:rPr lang="fr-FR"/>
               <a:t>Deuxième niveau</a:t>
             </a:r>
           </a:p>
           <a:p>
             <a:pPr lvl="2"/>
             <a:r>
-              <a:rPr lang="fr-FR" smtClean="0"/>
+              <a:rPr lang="fr-FR"/>
               <a:t>Troisième niveau</a:t>
             </a:r>
           </a:p>
           <a:p>
             <a:pPr lvl="3"/>
             <a:r>
-              <a:rPr lang="fr-FR" smtClean="0"/>
+              <a:rPr lang="fr-FR"/>
               <a:t>Quatrième niveau</a:t>
             </a:r>
           </a:p>
           <a:p>
             <a:pPr lvl="4"/>
             <a:r>
-              <a:rPr lang="fr-FR" smtClean="0"/>
+              <a:rPr lang="fr-FR"/>
               <a:t>Cinquième niveau</a:t>
             </a:r>
-            <a:endParaRPr lang="fr-FR"/>
           </a:p>
         </p:txBody>
       </p:sp>
@@ -1513,10 +1504,9 @@
           </a:lstStyle>
           <a:p>
             <a:r>
-              <a:rPr lang="fr-FR" smtClean="0"/>
+              <a:rPr lang="fr-FR"/>
               <a:t>Cliquez pour modifier le style du titre</a:t>
             </a:r>
-            <a:endParaRPr lang="fr-FR"/>
           </a:p>
         </p:txBody>
       </p:sp>
@@ -1579,7 +1569,7 @@
           <a:p>
             <a:pPr lvl="0"/>
             <a:r>
-              <a:rPr lang="fr-FR" smtClean="0"/>
+              <a:rPr lang="fr-FR"/>
               <a:t>Cliquez pour modifier les styles du texte du masque</a:t>
             </a:r>
           </a:p>
@@ -1635,38 +1625,37 @@
           <a:p>
             <a:pPr lvl="0"/>
             <a:r>
-              <a:rPr lang="fr-FR" smtClean="0"/>
+              <a:rPr lang="fr-FR"/>
               <a:t>Cliquez pour modifier les styles du texte du masque</a:t>
             </a:r>
           </a:p>
           <a:p>
             <a:pPr lvl="1"/>
             <a:r>
-              <a:rPr lang="fr-FR" smtClean="0"/>
+              <a:rPr lang="fr-FR"/>
               <a:t>Deuxième niveau</a:t>
             </a:r>
           </a:p>
           <a:p>
             <a:pPr lvl="2"/>
             <a:r>
-              <a:rPr lang="fr-FR" smtClean="0"/>
+              <a:rPr lang="fr-FR"/>
               <a:t>Troisième niveau</a:t>
             </a:r>
           </a:p>
           <a:p>
             <a:pPr lvl="3"/>
             <a:r>
-              <a:rPr lang="fr-FR" smtClean="0"/>
+              <a:rPr lang="fr-FR"/>
               <a:t>Quatrième niveau</a:t>
             </a:r>
           </a:p>
           <a:p>
             <a:pPr lvl="4"/>
             <a:r>
-              <a:rPr lang="fr-FR" smtClean="0"/>
+              <a:rPr lang="fr-FR"/>
               <a:t>Cinquième niveau</a:t>
             </a:r>
-            <a:endParaRPr lang="fr-FR"/>
           </a:p>
         </p:txBody>
       </p:sp>
@@ -1729,7 +1718,7 @@
           <a:p>
             <a:pPr lvl="0"/>
             <a:r>
-              <a:rPr lang="fr-FR" smtClean="0"/>
+              <a:rPr lang="fr-FR"/>
               <a:t>Cliquez pour modifier les styles du texte du masque</a:t>
             </a:r>
           </a:p>
@@ -1785,38 +1774,37 @@
           <a:p>
             <a:pPr lvl="0"/>
             <a:r>
-              <a:rPr lang="fr-FR" smtClean="0"/>
+              <a:rPr lang="fr-FR"/>
               <a:t>Cliquez pour modifier les styles du texte du masque</a:t>
             </a:r>
           </a:p>
           <a:p>
             <a:pPr lvl="1"/>
             <a:r>
-              <a:rPr lang="fr-FR" smtClean="0"/>
+              <a:rPr lang="fr-FR"/>
               <a:t>Deuxième niveau</a:t>
             </a:r>
           </a:p>
           <a:p>
             <a:pPr lvl="2"/>
             <a:r>
-              <a:rPr lang="fr-FR" smtClean="0"/>
+              <a:rPr lang="fr-FR"/>
               <a:t>Troisième niveau</a:t>
             </a:r>
           </a:p>
           <a:p>
             <a:pPr lvl="3"/>
             <a:r>
-              <a:rPr lang="fr-FR" smtClean="0"/>
+              <a:rPr lang="fr-FR"/>
               <a:t>Quatrième niveau</a:t>
             </a:r>
           </a:p>
           <a:p>
             <a:pPr lvl="4"/>
             <a:r>
-              <a:rPr lang="fr-FR" smtClean="0"/>
+              <a:rPr lang="fr-FR"/>
               <a:t>Cinquième niveau</a:t>
             </a:r>
-            <a:endParaRPr lang="fr-FR"/>
           </a:p>
         </p:txBody>
       </p:sp>
@@ -1866,10 +1854,9 @@
           <a:lstStyle/>
           <a:p>
             <a:r>
-              <a:rPr lang="fr-FR" smtClean="0"/>
+              <a:rPr lang="fr-FR"/>
               <a:t>Cliquez pour modifier le style du titre</a:t>
             </a:r>
-            <a:endParaRPr lang="fr-FR"/>
           </a:p>
         </p:txBody>
       </p:sp>
@@ -1958,10 +1945,9 @@
           </a:lstStyle>
           <a:p>
             <a:r>
-              <a:rPr lang="fr-FR" smtClean="0"/>
+              <a:rPr lang="fr-FR"/>
               <a:t>Cliquez pour modifier le style du titre</a:t>
             </a:r>
-            <a:endParaRPr lang="fr-FR"/>
           </a:p>
         </p:txBody>
       </p:sp>
@@ -2015,38 +2001,37 @@
           <a:p>
             <a:pPr lvl="0"/>
             <a:r>
-              <a:rPr lang="fr-FR" smtClean="0"/>
+              <a:rPr lang="fr-FR"/>
               <a:t>Cliquez pour modifier les styles du texte du masque</a:t>
             </a:r>
           </a:p>
           <a:p>
             <a:pPr lvl="1"/>
             <a:r>
-              <a:rPr lang="fr-FR" smtClean="0"/>
+              <a:rPr lang="fr-FR"/>
               <a:t>Deuxième niveau</a:t>
             </a:r>
           </a:p>
           <a:p>
             <a:pPr lvl="2"/>
             <a:r>
-              <a:rPr lang="fr-FR" smtClean="0"/>
+              <a:rPr lang="fr-FR"/>
               <a:t>Troisième niveau</a:t>
             </a:r>
           </a:p>
           <a:p>
             <a:pPr lvl="3"/>
             <a:r>
-              <a:rPr lang="fr-FR" smtClean="0"/>
+              <a:rPr lang="fr-FR"/>
               <a:t>Quatrième niveau</a:t>
             </a:r>
           </a:p>
           <a:p>
             <a:pPr lvl="4"/>
             <a:r>
-              <a:rPr lang="fr-FR" smtClean="0"/>
+              <a:rPr lang="fr-FR"/>
               <a:t>Cinquième niveau</a:t>
             </a:r>
-            <a:endParaRPr lang="fr-FR"/>
           </a:p>
         </p:txBody>
       </p:sp>
@@ -2109,7 +2094,7 @@
           <a:p>
             <a:pPr lvl="0"/>
             <a:r>
-              <a:rPr lang="fr-FR" smtClean="0"/>
+              <a:rPr lang="fr-FR"/>
               <a:t>Cliquez pour modifier les styles du texte du masque</a:t>
             </a:r>
           </a:p>
@@ -2170,10 +2155,9 @@
           </a:lstStyle>
           <a:p>
             <a:r>
-              <a:rPr lang="fr-FR" smtClean="0"/>
+              <a:rPr lang="fr-FR"/>
               <a:t>Cliquez pour modifier le style du titre</a:t>
             </a:r>
-            <a:endParaRPr lang="fr-FR"/>
           </a:p>
         </p:txBody>
       </p:sp>
@@ -2235,7 +2219,7 @@
           </a:lstStyle>
           <a:p>
             <a:pPr lvl="0"/>
-            <a:endParaRPr lang="fr-FR" noProof="0" smtClean="0"/>
+            <a:endParaRPr lang="fr-FR" noProof="0"/>
           </a:p>
         </p:txBody>
       </p:sp>
@@ -2298,7 +2282,7 @@
           <a:p>
             <a:pPr lvl="0"/>
             <a:r>
-              <a:rPr lang="fr-FR" smtClean="0"/>
+              <a:rPr lang="fr-FR"/>
               <a:t>Cliquez pour modifier les styles du texte du masque</a:t>
             </a:r>
           </a:p>
@@ -2350,10 +2334,9 @@
           <a:lstStyle/>
           <a:p>
             <a:r>
-              <a:rPr lang="fr-FR" smtClean="0"/>
+              <a:rPr lang="fr-FR"/>
               <a:t>Cliquez pour modifier le style du titre</a:t>
             </a:r>
-            <a:endParaRPr lang="fr-FR"/>
           </a:p>
         </p:txBody>
       </p:sp>
@@ -2374,38 +2357,37 @@
           <a:p>
             <a:pPr lvl="0"/>
             <a:r>
-              <a:rPr lang="fr-FR" smtClean="0"/>
+              <a:rPr lang="fr-FR"/>
               <a:t>Cliquez pour modifier les styles du texte du masque</a:t>
             </a:r>
           </a:p>
           <a:p>
             <a:pPr lvl="1"/>
             <a:r>
-              <a:rPr lang="fr-FR" smtClean="0"/>
+              <a:rPr lang="fr-FR"/>
               <a:t>Deuxième niveau</a:t>
             </a:r>
           </a:p>
           <a:p>
             <a:pPr lvl="2"/>
             <a:r>
-              <a:rPr lang="fr-FR" smtClean="0"/>
+              <a:rPr lang="fr-FR"/>
               <a:t>Troisième niveau</a:t>
             </a:r>
           </a:p>
           <a:p>
             <a:pPr lvl="3"/>
             <a:r>
-              <a:rPr lang="fr-FR" smtClean="0"/>
+              <a:rPr lang="fr-FR"/>
               <a:t>Quatrième niveau</a:t>
             </a:r>
           </a:p>
           <a:p>
             <a:pPr lvl="4"/>
             <a:r>
-              <a:rPr lang="fr-FR" smtClean="0"/>
+              <a:rPr lang="fr-FR"/>
               <a:t>Cinquième niveau</a:t>
             </a:r>
-            <a:endParaRPr lang="fr-FR"/>
           </a:p>
         </p:txBody>
       </p:sp>
@@ -2586,7 +2568,7 @@
             <a:pPr eaLnBrk="1" hangingPunct="1">
               <a:defRPr/>
             </a:pPr>
-            <a:endParaRPr lang="fr-FR" altLang="fr-FR" smtClean="0"/>
+            <a:endParaRPr lang="fr-FR" altLang="fr-FR"/>
           </a:p>
         </p:txBody>
       </p:sp>
@@ -2740,7 +2722,7 @@
               <a:defRPr/>
             </a:pPr>
             <a:r>
-              <a:rPr lang="fr-FR" sz="1200" dirty="0" smtClean="0"/>
+              <a:rPr lang="fr-FR" sz="1200" dirty="0"/>
               <a:t>Page </a:t>
             </a:r>
             <a:fld id="{E218E9B1-FD08-4C80-902E-210BA2967D0D}" type="slidenum">
@@ -2753,7 +2735,7 @@
               </a:pPr>
               <a:t>‹N°›</a:t>
             </a:fld>
-            <a:endParaRPr lang="fr-FR" dirty="0" smtClean="0">
+            <a:endParaRPr lang="fr-FR" dirty="0">
               <a:latin typeface="Times New Roman" pitchFamily="18" charset="0"/>
             </a:endParaRPr>
           </a:p>
@@ -2909,10 +2891,10 @@
               <a:defRPr/>
             </a:pPr>
             <a:r>
-              <a:rPr lang="fr-FR" sz="1600" dirty="0" smtClean="0"/>
+              <a:rPr lang="fr-FR" sz="1600" dirty="0"/>
               <a:t>Python</a:t>
             </a:r>
-            <a:endParaRPr lang="fr-FR" dirty="0" smtClean="0">
+            <a:endParaRPr lang="fr-FR" dirty="0">
               <a:latin typeface="Times New Roman" pitchFamily="18" charset="0"/>
             </a:endParaRPr>
           </a:p>
@@ -2970,7 +2952,7 @@
           <a:p>
             <a:pPr lvl="0"/>
             <a:r>
-              <a:rPr lang="fr-FR" altLang="fr-FR" smtClean="0"/>
+              <a:rPr lang="fr-FR" altLang="fr-FR"/>
               <a:t>Cliquez pour modifier le style du titre du masque</a:t>
             </a:r>
           </a:p>
@@ -3028,35 +3010,35 @@
           <a:p>
             <a:pPr lvl="0"/>
             <a:r>
-              <a:rPr lang="fr-FR" altLang="fr-FR" smtClean="0"/>
+              <a:rPr lang="fr-FR" altLang="fr-FR"/>
               <a:t>Cliquez pour modifier les styles du texte du masque</a:t>
             </a:r>
           </a:p>
           <a:p>
             <a:pPr lvl="1"/>
             <a:r>
-              <a:rPr lang="fr-FR" altLang="fr-FR" smtClean="0"/>
+              <a:rPr lang="fr-FR" altLang="fr-FR"/>
               <a:t>Deuxième niveau</a:t>
             </a:r>
           </a:p>
           <a:p>
             <a:pPr lvl="2"/>
             <a:r>
-              <a:rPr lang="fr-FR" altLang="fr-FR" smtClean="0"/>
+              <a:rPr lang="fr-FR" altLang="fr-FR"/>
               <a:t>Troisième niveau</a:t>
             </a:r>
           </a:p>
           <a:p>
             <a:pPr lvl="3"/>
             <a:r>
-              <a:rPr lang="fr-FR" altLang="fr-FR" smtClean="0"/>
+              <a:rPr lang="fr-FR" altLang="fr-FR"/>
               <a:t>Quatrième niveau</a:t>
             </a:r>
           </a:p>
           <a:p>
             <a:pPr lvl="4"/>
             <a:r>
-              <a:rPr lang="fr-FR" altLang="fr-FR" smtClean="0"/>
+              <a:rPr lang="fr-FR" altLang="fr-FR"/>
               <a:t>Cinquième niveau</a:t>
             </a:r>
           </a:p>
@@ -3212,10 +3194,10 @@
               <a:defRPr/>
             </a:pPr>
             <a:r>
-              <a:rPr lang="fr-FR" sz="1200" smtClean="0"/>
+              <a:rPr lang="fr-FR" sz="1200"/>
               <a:t>© Cyril Vincent Conseil</a:t>
             </a:r>
-            <a:endParaRPr lang="fr-FR" smtClean="0">
+            <a:endParaRPr lang="fr-FR">
               <a:latin typeface="Times New Roman" pitchFamily="18" charset="0"/>
             </a:endParaRPr>
           </a:p>
@@ -3697,19 +3679,18 @@
           <a:p>
             <a:pPr eaLnBrk="1" hangingPunct="1"/>
             <a:r>
-              <a:rPr lang="fr-FR" altLang="fr-FR" smtClean="0"/>
+              <a:rPr lang="fr-FR" altLang="fr-FR"/>
               <a:t>Chapitre </a:t>
             </a:r>
             <a:r>
               <a:rPr lang="fr-FR" altLang="fr-FR" dirty="0"/>
               <a:t>9</a:t>
             </a:r>
-            <a:endParaRPr lang="fr-FR" altLang="fr-FR" dirty="0" smtClean="0"/>
           </a:p>
           <a:p>
             <a:pPr eaLnBrk="1" hangingPunct="1"/>
             <a:r>
-              <a:rPr lang="fr-FR" altLang="fr-FR" dirty="0" smtClean="0"/>
+              <a:rPr lang="fr-FR" altLang="fr-FR" dirty="0"/>
               <a:t>Statistiques</a:t>
             </a:r>
           </a:p>
@@ -3781,13 +3762,6 @@
   <p:clrMapOvr>
     <a:masterClrMapping/>
   </p:clrMapOvr>
-  <p:timing>
-    <p:tnLst>
-      <p:par>
-        <p:cTn id="1" dur="indefinite" restart="never" nodeType="tmRoot"/>
-      </p:par>
-    </p:tnLst>
-  </p:timing>
 </p:sld>
 </file>
 
@@ -3824,10 +3798,9 @@
           <a:lstStyle/>
           <a:p>
             <a:r>
-              <a:rPr lang="fr-FR" dirty="0" smtClean="0"/>
+              <a:rPr lang="fr-FR" dirty="0"/>
               <a:t>Cas non gaussiens</a:t>
             </a:r>
-            <a:endParaRPr lang="fr-FR" dirty="0"/>
           </a:p>
         </p:txBody>
       </p:sp>
@@ -3847,68 +3820,66 @@
           <a:lstStyle/>
           <a:p>
             <a:r>
-              <a:rPr lang="fr-FR" dirty="0" err="1" smtClean="0"/>
+              <a:rPr lang="fr-FR" dirty="0" err="1"/>
               <a:t>Median</a:t>
             </a:r>
-            <a:endParaRPr lang="fr-FR" dirty="0" smtClean="0"/>
+            <a:endParaRPr lang="fr-FR" dirty="0"/>
           </a:p>
           <a:p>
             <a:pPr lvl="1"/>
             <a:r>
-              <a:rPr lang="fr-FR" dirty="0" smtClean="0"/>
+              <a:rPr lang="fr-FR" dirty="0"/>
               <a:t>Médiane</a:t>
             </a:r>
           </a:p>
           <a:p>
             <a:pPr lvl="1"/>
             <a:r>
-              <a:rPr lang="fr-FR" dirty="0" smtClean="0"/>
+              <a:rPr lang="fr-FR" dirty="0"/>
               <a:t>50% des valeurs au dessous et 50% au dessous</a:t>
             </a:r>
           </a:p>
           <a:p>
             <a:r>
-              <a:rPr lang="fr-FR" dirty="0" smtClean="0"/>
+              <a:rPr lang="fr-FR" dirty="0"/>
               <a:t>Quantile</a:t>
             </a:r>
-            <a:endParaRPr lang="fr-FR" dirty="0" smtClean="0"/>
           </a:p>
           <a:p>
             <a:pPr lvl="1"/>
             <a:r>
-              <a:rPr lang="fr-FR" dirty="0" smtClean="0"/>
+              <a:rPr lang="fr-FR" dirty="0"/>
               <a:t>Le 2</a:t>
             </a:r>
             <a:r>
-              <a:rPr lang="fr-FR" baseline="30000" dirty="0" smtClean="0"/>
+              <a:rPr lang="fr-FR" baseline="30000" dirty="0"/>
               <a:t>ème</a:t>
             </a:r>
             <a:r>
-              <a:rPr lang="fr-FR" dirty="0" smtClean="0"/>
+              <a:rPr lang="fr-FR" dirty="0"/>
               <a:t> paramètre représente le quantile</a:t>
             </a:r>
           </a:p>
           <a:p>
             <a:pPr lvl="1"/>
             <a:r>
-              <a:rPr lang="fr-FR" dirty="0" smtClean="0"/>
+              <a:rPr lang="fr-FR" dirty="0"/>
               <a:t>0.5 = médiane</a:t>
             </a:r>
           </a:p>
           <a:p>
             <a:pPr lvl="1"/>
             <a:r>
-              <a:rPr lang="fr-FR" dirty="0" smtClean="0"/>
+              <a:rPr lang="fr-FR" dirty="0"/>
               <a:t>0.25 = quartile</a:t>
             </a:r>
           </a:p>
           <a:p>
             <a:pPr lvl="1"/>
             <a:r>
-              <a:rPr lang="fr-FR" dirty="0" smtClean="0"/>
+              <a:rPr lang="fr-FR" dirty="0"/>
               <a:t>0.1 = décile</a:t>
             </a:r>
-            <a:endParaRPr lang="fr-FR" dirty="0"/>
           </a:p>
         </p:txBody>
       </p:sp>
@@ -3963,13 +3934,6 @@
   <p:clrMapOvr>
     <a:masterClrMapping/>
   </p:clrMapOvr>
-  <p:timing>
-    <p:tnLst>
-      <p:par>
-        <p:cTn id="1" dur="indefinite" restart="never" nodeType="tmRoot"/>
-      </p:par>
-    </p:tnLst>
-  </p:timing>
 </p:sld>
 </file>
 
@@ -4006,10 +3970,9 @@
           <a:lstStyle/>
           <a:p>
             <a:r>
-              <a:rPr lang="fr-FR" dirty="0" smtClean="0"/>
+              <a:rPr lang="fr-FR" dirty="0"/>
               <a:t>Ecart type</a:t>
             </a:r>
-            <a:endParaRPr lang="fr-FR" dirty="0"/>
           </a:p>
         </p:txBody>
       </p:sp>
@@ -4029,37 +3992,36 @@
           <a:lstStyle/>
           <a:p>
             <a:r>
-              <a:rPr lang="fr-FR" dirty="0" smtClean="0"/>
+              <a:rPr lang="fr-FR" dirty="0"/>
               <a:t>Mesure la dispersion des variables</a:t>
             </a:r>
           </a:p>
           <a:p>
             <a:pPr lvl="1"/>
             <a:r>
-              <a:rPr lang="fr-FR" dirty="0" smtClean="0"/>
+              <a:rPr lang="fr-FR" dirty="0"/>
               <a:t>Racine carrée de la variance</a:t>
             </a:r>
           </a:p>
           <a:p>
             <a:pPr lvl="1"/>
             <a:r>
-              <a:rPr lang="fr-FR" dirty="0" smtClean="0"/>
+              <a:rPr lang="fr-FR" dirty="0"/>
               <a:t>Moyenne est écarts par rapport à une moyenne</a:t>
             </a:r>
           </a:p>
           <a:p>
             <a:pPr lvl="1"/>
             <a:r>
-              <a:rPr lang="fr-FR" dirty="0" smtClean="0"/>
+              <a:rPr lang="fr-FR" dirty="0"/>
               <a:t>Souvent noté sigma</a:t>
             </a:r>
           </a:p>
           <a:p>
             <a:r>
-              <a:rPr lang="fr-FR" dirty="0" smtClean="0"/>
+              <a:rPr lang="fr-FR" dirty="0"/>
               <a:t>Voici 2 échantillons avec la même moyenne mais des écarts types différents</a:t>
             </a:r>
-            <a:endParaRPr lang="fr-FR" dirty="0"/>
           </a:p>
         </p:txBody>
       </p:sp>
@@ -4114,13 +4076,6 @@
   <p:clrMapOvr>
     <a:masterClrMapping/>
   </p:clrMapOvr>
-  <p:timing>
-    <p:tnLst>
-      <p:par>
-        <p:cTn id="1" dur="indefinite" restart="never" nodeType="tmRoot"/>
-      </p:par>
-    </p:tnLst>
-  </p:timing>
 </p:sld>
 </file>
 
@@ -4157,10 +4112,9 @@
           <a:lstStyle/>
           <a:p>
             <a:r>
-              <a:rPr lang="fr-FR" dirty="0" smtClean="0"/>
+              <a:rPr lang="fr-FR" dirty="0"/>
               <a:t>Loi normale</a:t>
             </a:r>
-            <a:endParaRPr lang="fr-FR" dirty="0"/>
           </a:p>
         </p:txBody>
       </p:sp>
@@ -4181,34 +4135,14 @@
           <a:p>
             <a:r>
               <a:rPr lang="fr-FR" dirty="0"/>
-              <a:t>I</a:t>
-            </a:r>
-            <a:r>
-              <a:rPr lang="fr-FR" dirty="0" smtClean="0"/>
-              <a:t>l </a:t>
-            </a:r>
+              <a:t>Il est fréquent de considérer que les valeurs se répartissent selon une courbe de Gauss</a:t>
+            </a:r>
+          </a:p>
+          <a:p>
+            <a:pPr lvl="1"/>
             <a:r>
               <a:rPr lang="fr-FR" dirty="0"/>
-              <a:t>est fréquent de considérer que les valeurs se répartissent selon une courbe de </a:t>
-            </a:r>
-            <a:r>
-              <a:rPr lang="fr-FR" dirty="0" smtClean="0"/>
-              <a:t>Gauss</a:t>
-            </a:r>
-          </a:p>
-          <a:p>
-            <a:pPr lvl="1"/>
-            <a:r>
-              <a:rPr lang="fr-FR" dirty="0" smtClean="0"/>
-              <a:t>Dans </a:t>
-            </a:r>
-            <a:r>
-              <a:rPr lang="fr-FR" dirty="0"/>
-              <a:t>le cas des sciences sociales, par exemple, la moyenne et l'écart type permettent de déterminer un intervalle dans lequel on trouve une majorité de la </a:t>
-            </a:r>
-            <a:r>
-              <a:rPr lang="fr-FR" dirty="0" smtClean="0"/>
-              <a:t>population</a:t>
+              <a:t>Dans le cas des sciences sociales, par exemple, la moyenne et l'écart type permettent de déterminer un intervalle dans lequel on trouve une majorité de la population</a:t>
             </a:r>
           </a:p>
           <a:p>
@@ -4268,13 +4202,6 @@
   <p:clrMapOvr>
     <a:masterClrMapping/>
   </p:clrMapOvr>
-  <p:timing>
-    <p:tnLst>
-      <p:par>
-        <p:cTn id="1" dur="indefinite" restart="never" nodeType="tmRoot"/>
-      </p:par>
-    </p:tnLst>
-  </p:timing>
 </p:sld>
 </file>
 
@@ -4311,10 +4238,9 @@
           <a:lstStyle/>
           <a:p>
             <a:r>
-              <a:rPr lang="fr-FR" dirty="0" smtClean="0"/>
+              <a:rPr lang="fr-FR" dirty="0"/>
               <a:t>Loi normal</a:t>
             </a:r>
-            <a:endParaRPr lang="fr-FR" dirty="0"/>
           </a:p>
         </p:txBody>
       </p:sp>
@@ -4352,13 +4278,6 @@
   <p:clrMapOvr>
     <a:masterClrMapping/>
   </p:clrMapOvr>
-  <p:timing>
-    <p:tnLst>
-      <p:par>
-        <p:cTn id="1" dur="indefinite" restart="never" nodeType="tmRoot"/>
-      </p:par>
-    </p:tnLst>
-  </p:timing>
 </p:sld>
 </file>
 
@@ -4395,10 +4314,9 @@
           <a:lstStyle/>
           <a:p>
             <a:r>
-              <a:rPr lang="fr-FR" dirty="0" smtClean="0"/>
+              <a:rPr lang="fr-FR" dirty="0"/>
               <a:t>Loi normal</a:t>
             </a:r>
-            <a:endParaRPr lang="fr-FR" dirty="0"/>
           </a:p>
         </p:txBody>
       </p:sp>
@@ -4473,7 +4391,7 @@
               <a:tabLst/>
             </a:pPr>
             <a:r>
-              <a:rPr kumimoji="0" lang="fr-FR" altLang="fr-FR" sz="1200" b="0" i="0" u="none" strike="noStrike" cap="none" normalizeH="0" baseline="0" dirty="0" smtClean="0">
+              <a:rPr kumimoji="0" lang="fr-FR" altLang="fr-FR" sz="1200" b="0" i="0" u="none" strike="noStrike" cap="none" normalizeH="0" baseline="0" dirty="0">
                 <a:ln>
                   <a:noFill/>
                 </a:ln>
@@ -4486,7 +4404,7 @@
               <a:t>x = </a:t>
             </a:r>
             <a:r>
-              <a:rPr kumimoji="0" lang="fr-FR" altLang="fr-FR" sz="1200" b="0" i="0" u="none" strike="noStrike" cap="none" normalizeH="0" baseline="0" dirty="0" err="1" smtClean="0">
+              <a:rPr kumimoji="0" lang="fr-FR" altLang="fr-FR" sz="1200" b="0" i="0" u="none" strike="noStrike" cap="none" normalizeH="0" baseline="0" dirty="0" err="1">
                 <a:ln>
                   <a:noFill/>
                 </a:ln>
@@ -4499,7 +4417,7 @@
               <a:t>np.arange</a:t>
             </a:r>
             <a:r>
-              <a:rPr kumimoji="0" lang="fr-FR" altLang="fr-FR" sz="1200" b="0" i="0" u="none" strike="noStrike" cap="none" normalizeH="0" baseline="0" dirty="0" smtClean="0">
+              <a:rPr kumimoji="0" lang="fr-FR" altLang="fr-FR" sz="1200" b="0" i="0" u="none" strike="noStrike" cap="none" normalizeH="0" baseline="0" dirty="0">
                 <a:ln>
                   <a:noFill/>
                 </a:ln>
@@ -4512,7 +4430,7 @@
               <a:t>(-</a:t>
             </a:r>
             <a:r>
-              <a:rPr kumimoji="0" lang="fr-FR" altLang="fr-FR" sz="1200" b="0" i="0" u="none" strike="noStrike" cap="none" normalizeH="0" baseline="0" dirty="0" smtClean="0">
+              <a:rPr kumimoji="0" lang="fr-FR" altLang="fr-FR" sz="1200" b="0" i="0" u="none" strike="noStrike" cap="none" normalizeH="0" baseline="0" dirty="0">
                 <a:ln>
                   <a:noFill/>
                 </a:ln>
@@ -4525,7 +4443,7 @@
               <a:t>100</a:t>
             </a:r>
             <a:r>
-              <a:rPr kumimoji="0" lang="fr-FR" altLang="fr-FR" sz="1200" b="0" i="0" u="none" strike="noStrike" cap="none" normalizeH="0" baseline="0" dirty="0" smtClean="0">
+              <a:rPr kumimoji="0" lang="fr-FR" altLang="fr-FR" sz="1200" b="0" i="0" u="none" strike="noStrike" cap="none" normalizeH="0" baseline="0" dirty="0">
                 <a:ln>
                   <a:noFill/>
                 </a:ln>
@@ -4538,7 +4456,7 @@
               <a:t>, </a:t>
             </a:r>
             <a:r>
-              <a:rPr kumimoji="0" lang="fr-FR" altLang="fr-FR" sz="1200" b="0" i="0" u="none" strike="noStrike" cap="none" normalizeH="0" baseline="0" dirty="0" smtClean="0">
+              <a:rPr kumimoji="0" lang="fr-FR" altLang="fr-FR" sz="1200" b="0" i="0" u="none" strike="noStrike" cap="none" normalizeH="0" baseline="0" dirty="0">
                 <a:ln>
                   <a:noFill/>
                 </a:ln>
@@ -4551,7 +4469,7 @@
               <a:t>100</a:t>
             </a:r>
             <a:r>
-              <a:rPr kumimoji="0" lang="fr-FR" altLang="fr-FR" sz="1200" b="0" i="0" u="none" strike="noStrike" cap="none" normalizeH="0" baseline="0" dirty="0" smtClean="0">
+              <a:rPr kumimoji="0" lang="fr-FR" altLang="fr-FR" sz="1200" b="0" i="0" u="none" strike="noStrike" cap="none" normalizeH="0" baseline="0" dirty="0">
                 <a:ln>
                   <a:noFill/>
                 </a:ln>
@@ -4564,7 +4482,7 @@
               <a:t>)</a:t>
             </a:r>
             <a:br>
-              <a:rPr kumimoji="0" lang="fr-FR" altLang="fr-FR" sz="1200" b="0" i="0" u="none" strike="noStrike" cap="none" normalizeH="0" baseline="0" dirty="0" smtClean="0">
+              <a:rPr kumimoji="0" lang="fr-FR" altLang="fr-FR" sz="1200" b="0" i="0" u="none" strike="noStrike" cap="none" normalizeH="0" baseline="0" dirty="0">
                 <a:ln>
                   <a:noFill/>
                 </a:ln>
@@ -4576,7 +4494,7 @@
               </a:rPr>
             </a:br>
             <a:r>
-              <a:rPr kumimoji="0" lang="fr-FR" altLang="fr-FR" sz="1200" b="0" i="0" u="none" strike="noStrike" cap="none" normalizeH="0" baseline="0" dirty="0" smtClean="0">
+              <a:rPr kumimoji="0" lang="fr-FR" altLang="fr-FR" sz="1200" b="0" i="0" u="none" strike="noStrike" cap="none" normalizeH="0" baseline="0" dirty="0">
                 <a:ln>
                   <a:noFill/>
                 </a:ln>
@@ -4589,7 +4507,7 @@
               <a:t>mu = </a:t>
             </a:r>
             <a:r>
-              <a:rPr kumimoji="0" lang="fr-FR" altLang="fr-FR" sz="1200" b="0" i="0" u="none" strike="noStrike" cap="none" normalizeH="0" baseline="0" dirty="0" smtClean="0">
+              <a:rPr kumimoji="0" lang="fr-FR" altLang="fr-FR" sz="1200" b="0" i="0" u="none" strike="noStrike" cap="none" normalizeH="0" baseline="0" dirty="0">
                 <a:ln>
                   <a:noFill/>
                 </a:ln>
@@ -4602,7 +4520,7 @@
               <a:t>0</a:t>
             </a:r>
             <a:br>
-              <a:rPr kumimoji="0" lang="fr-FR" altLang="fr-FR" sz="1200" b="0" i="0" u="none" strike="noStrike" cap="none" normalizeH="0" baseline="0" dirty="0" smtClean="0">
+              <a:rPr kumimoji="0" lang="fr-FR" altLang="fr-FR" sz="1200" b="0" i="0" u="none" strike="noStrike" cap="none" normalizeH="0" baseline="0" dirty="0">
                 <a:ln>
                   <a:noFill/>
                 </a:ln>
@@ -4614,7 +4532,7 @@
               </a:rPr>
             </a:br>
             <a:r>
-              <a:rPr kumimoji="0" lang="fr-FR" altLang="fr-FR" sz="1200" b="0" i="0" u="none" strike="noStrike" cap="none" normalizeH="0" baseline="0" dirty="0" smtClean="0">
+              <a:rPr kumimoji="0" lang="fr-FR" altLang="fr-FR" sz="1200" b="0" i="0" u="none" strike="noStrike" cap="none" normalizeH="0" baseline="0" dirty="0">
                 <a:ln>
                   <a:noFill/>
                 </a:ln>
@@ -4627,7 +4545,7 @@
               <a:t>sigma = </a:t>
             </a:r>
             <a:r>
-              <a:rPr kumimoji="0" lang="fr-FR" altLang="fr-FR" sz="1200" b="0" i="0" u="none" strike="noStrike" cap="none" normalizeH="0" baseline="0" dirty="0" smtClean="0">
+              <a:rPr kumimoji="0" lang="fr-FR" altLang="fr-FR" sz="1200" b="0" i="0" u="none" strike="noStrike" cap="none" normalizeH="0" baseline="0" dirty="0">
                 <a:ln>
                   <a:noFill/>
                 </a:ln>
@@ -4640,7 +4558,7 @@
               <a:t>20</a:t>
             </a:r>
             <a:br>
-              <a:rPr kumimoji="0" lang="fr-FR" altLang="fr-FR" sz="1200" b="0" i="0" u="none" strike="noStrike" cap="none" normalizeH="0" baseline="0" dirty="0" smtClean="0">
+              <a:rPr kumimoji="0" lang="fr-FR" altLang="fr-FR" sz="1200" b="0" i="0" u="none" strike="noStrike" cap="none" normalizeH="0" baseline="0" dirty="0">
                 <a:ln>
                   <a:noFill/>
                 </a:ln>
@@ -4651,21 +4569,8 @@
                 <a:latin typeface="Consolas" panose="020B0609020204030204" pitchFamily="49" charset="0"/>
               </a:rPr>
             </a:br>
-            <a:r>
-              <a:rPr kumimoji="0" lang="fr-FR" altLang="fr-FR" sz="1200" b="0" i="0" u="none" strike="noStrike" cap="none" normalizeH="0" baseline="0" dirty="0" smtClean="0">
-                <a:ln>
-                  <a:noFill/>
-                </a:ln>
-                <a:solidFill>
-                  <a:srgbClr val="0000FF"/>
-                </a:solidFill>
-                <a:effectLst/>
-                <a:latin typeface="Consolas" panose="020B0609020204030204" pitchFamily="49" charset="0"/>
-              </a:rPr>
-              <a:t/>
-            </a:r>
             <a:br>
-              <a:rPr kumimoji="0" lang="fr-FR" altLang="fr-FR" sz="1200" b="0" i="0" u="none" strike="noStrike" cap="none" normalizeH="0" baseline="0" dirty="0" smtClean="0">
+              <a:rPr kumimoji="0" lang="fr-FR" altLang="fr-FR" sz="1200" b="0" i="0" u="none" strike="noStrike" cap="none" normalizeH="0" baseline="0" dirty="0">
                 <a:ln>
                   <a:noFill/>
                 </a:ln>
@@ -4677,7 +4582,7 @@
               </a:rPr>
             </a:br>
             <a:r>
-              <a:rPr kumimoji="0" lang="fr-FR" altLang="fr-FR" sz="1200" b="0" i="0" u="none" strike="noStrike" cap="none" normalizeH="0" baseline="0" dirty="0" smtClean="0">
+              <a:rPr kumimoji="0" lang="fr-FR" altLang="fr-FR" sz="1200" b="0" i="0" u="none" strike="noStrike" cap="none" normalizeH="0" baseline="0" dirty="0">
                 <a:ln>
                   <a:noFill/>
                 </a:ln>
@@ -4690,7 +4595,7 @@
               <a:t>f = </a:t>
             </a:r>
             <a:r>
-              <a:rPr kumimoji="0" lang="fr-FR" altLang="fr-FR" sz="1200" b="1" i="0" u="none" strike="noStrike" cap="none" normalizeH="0" baseline="0" dirty="0" smtClean="0">
+              <a:rPr kumimoji="0" lang="fr-FR" altLang="fr-FR" sz="1200" b="1" i="0" u="none" strike="noStrike" cap="none" normalizeH="0" baseline="0" dirty="0">
                 <a:ln>
                   <a:noFill/>
                 </a:ln>
@@ -4703,7 +4608,7 @@
               <a:t>lambda </a:t>
             </a:r>
             <a:r>
-              <a:rPr kumimoji="0" lang="fr-FR" altLang="fr-FR" sz="1200" b="0" i="0" u="none" strike="noStrike" cap="none" normalizeH="0" baseline="0" dirty="0" smtClean="0">
+              <a:rPr kumimoji="0" lang="fr-FR" altLang="fr-FR" sz="1200" b="0" i="0" u="none" strike="noStrike" cap="none" normalizeH="0" baseline="0" dirty="0">
                 <a:ln>
                   <a:noFill/>
                 </a:ln>
@@ -4716,7 +4621,7 @@
               <a:t>x : </a:t>
             </a:r>
             <a:r>
-              <a:rPr kumimoji="0" lang="fr-FR" altLang="fr-FR" sz="1200" b="0" i="0" u="none" strike="noStrike" cap="none" normalizeH="0" baseline="0" dirty="0" smtClean="0">
+              <a:rPr kumimoji="0" lang="fr-FR" altLang="fr-FR" sz="1200" b="0" i="0" u="none" strike="noStrike" cap="none" normalizeH="0" baseline="0" dirty="0">
                 <a:ln>
                   <a:noFill/>
                 </a:ln>
@@ -4729,7 +4634,7 @@
               <a:t>1</a:t>
             </a:r>
             <a:r>
-              <a:rPr kumimoji="0" lang="fr-FR" altLang="fr-FR" sz="1200" b="0" i="0" u="none" strike="noStrike" cap="none" normalizeH="0" baseline="0" dirty="0" smtClean="0">
+              <a:rPr kumimoji="0" lang="fr-FR" altLang="fr-FR" sz="1200" b="0" i="0" u="none" strike="noStrike" cap="none" normalizeH="0" baseline="0" dirty="0">
                 <a:ln>
                   <a:noFill/>
                 </a:ln>
@@ -4742,7 +4647,7 @@
               <a:t>/(</a:t>
             </a:r>
             <a:r>
-              <a:rPr kumimoji="0" lang="fr-FR" altLang="fr-FR" sz="1200" b="0" i="0" u="none" strike="noStrike" cap="none" normalizeH="0" baseline="0" dirty="0" err="1" smtClean="0">
+              <a:rPr kumimoji="0" lang="fr-FR" altLang="fr-FR" sz="1200" b="0" i="0" u="none" strike="noStrike" cap="none" normalizeH="0" baseline="0" dirty="0" err="1">
                 <a:ln>
                   <a:noFill/>
                 </a:ln>
@@ -4755,7 +4660,7 @@
               <a:t>np.sqrt</a:t>
             </a:r>
             <a:r>
-              <a:rPr kumimoji="0" lang="fr-FR" altLang="fr-FR" sz="1200" b="0" i="0" u="none" strike="noStrike" cap="none" normalizeH="0" baseline="0" dirty="0" smtClean="0">
+              <a:rPr kumimoji="0" lang="fr-FR" altLang="fr-FR" sz="1200" b="0" i="0" u="none" strike="noStrike" cap="none" normalizeH="0" baseline="0" dirty="0">
                 <a:ln>
                   <a:noFill/>
                 </a:ln>
@@ -4768,7 +4673,7 @@
               <a:t>(</a:t>
             </a:r>
             <a:r>
-              <a:rPr kumimoji="0" lang="fr-FR" altLang="fr-FR" sz="1200" b="0" i="0" u="none" strike="noStrike" cap="none" normalizeH="0" baseline="0" dirty="0" smtClean="0">
+              <a:rPr kumimoji="0" lang="fr-FR" altLang="fr-FR" sz="1200" b="0" i="0" u="none" strike="noStrike" cap="none" normalizeH="0" baseline="0" dirty="0">
                 <a:ln>
                   <a:noFill/>
                 </a:ln>
@@ -4781,7 +4686,7 @@
               <a:t>2</a:t>
             </a:r>
             <a:r>
-              <a:rPr kumimoji="0" lang="fr-FR" altLang="fr-FR" sz="1200" b="0" i="0" u="none" strike="noStrike" cap="none" normalizeH="0" baseline="0" dirty="0" smtClean="0">
+              <a:rPr kumimoji="0" lang="fr-FR" altLang="fr-FR" sz="1200" b="0" i="0" u="none" strike="noStrike" cap="none" normalizeH="0" baseline="0" dirty="0">
                 <a:ln>
                   <a:noFill/>
                 </a:ln>
@@ -4794,7 +4699,7 @@
               <a:t>*</a:t>
             </a:r>
             <a:r>
-              <a:rPr kumimoji="0" lang="fr-FR" altLang="fr-FR" sz="1200" b="0" i="0" u="none" strike="noStrike" cap="none" normalizeH="0" baseline="0" dirty="0" err="1" smtClean="0">
+              <a:rPr kumimoji="0" lang="fr-FR" altLang="fr-FR" sz="1200" b="0" i="0" u="none" strike="noStrike" cap="none" normalizeH="0" baseline="0" dirty="0" err="1">
                 <a:ln>
                   <a:noFill/>
                 </a:ln>
@@ -4807,7 +4712,7 @@
               <a:t>np.pi</a:t>
             </a:r>
             <a:r>
-              <a:rPr kumimoji="0" lang="fr-FR" altLang="fr-FR" sz="1200" b="0" i="0" u="none" strike="noStrike" cap="none" normalizeH="0" baseline="0" dirty="0" smtClean="0">
+              <a:rPr kumimoji="0" lang="fr-FR" altLang="fr-FR" sz="1200" b="0" i="0" u="none" strike="noStrike" cap="none" normalizeH="0" baseline="0" dirty="0">
                 <a:ln>
                   <a:noFill/>
                 </a:ln>
@@ -4820,7 +4725,7 @@
               <a:t>*</a:t>
             </a:r>
             <a:r>
-              <a:rPr kumimoji="0" lang="fr-FR" altLang="fr-FR" sz="1200" b="0" i="0" u="none" strike="noStrike" cap="none" normalizeH="0" baseline="0" dirty="0" err="1" smtClean="0">
+              <a:rPr kumimoji="0" lang="fr-FR" altLang="fr-FR" sz="1200" b="0" i="0" u="none" strike="noStrike" cap="none" normalizeH="0" baseline="0" dirty="0" err="1">
                 <a:ln>
                   <a:noFill/>
                 </a:ln>
@@ -4833,7 +4738,7 @@
               <a:t>np.power</a:t>
             </a:r>
             <a:r>
-              <a:rPr kumimoji="0" lang="fr-FR" altLang="fr-FR" sz="1200" b="0" i="0" u="none" strike="noStrike" cap="none" normalizeH="0" baseline="0" dirty="0" smtClean="0">
+              <a:rPr kumimoji="0" lang="fr-FR" altLang="fr-FR" sz="1200" b="0" i="0" u="none" strike="noStrike" cap="none" normalizeH="0" baseline="0" dirty="0">
                 <a:ln>
                   <a:noFill/>
                 </a:ln>
@@ -4846,7 +4751,7 @@
               <a:t>(sigma,</a:t>
             </a:r>
             <a:r>
-              <a:rPr kumimoji="0" lang="fr-FR" altLang="fr-FR" sz="1200" b="0" i="0" u="none" strike="noStrike" cap="none" normalizeH="0" baseline="0" dirty="0" smtClean="0">
+              <a:rPr kumimoji="0" lang="fr-FR" altLang="fr-FR" sz="1200" b="0" i="0" u="none" strike="noStrike" cap="none" normalizeH="0" baseline="0" dirty="0">
                 <a:ln>
                   <a:noFill/>
                 </a:ln>
@@ -4859,7 +4764,7 @@
               <a:t>2</a:t>
             </a:r>
             <a:r>
-              <a:rPr kumimoji="0" lang="fr-FR" altLang="fr-FR" sz="1200" b="0" i="0" u="none" strike="noStrike" cap="none" normalizeH="0" baseline="0" dirty="0" smtClean="0">
+              <a:rPr kumimoji="0" lang="fr-FR" altLang="fr-FR" sz="1200" b="0" i="0" u="none" strike="noStrike" cap="none" normalizeH="0" baseline="0" dirty="0">
                 <a:ln>
                   <a:noFill/>
                 </a:ln>
@@ -4872,7 +4777,7 @@
               <a:t>))) * </a:t>
             </a:r>
             <a:r>
-              <a:rPr kumimoji="0" lang="fr-FR" altLang="fr-FR" sz="1200" b="0" i="0" u="none" strike="noStrike" cap="none" normalizeH="0" baseline="0" dirty="0" err="1" smtClean="0">
+              <a:rPr kumimoji="0" lang="fr-FR" altLang="fr-FR" sz="1200" b="0" i="0" u="none" strike="noStrike" cap="none" normalizeH="0" baseline="0" dirty="0" err="1">
                 <a:ln>
                   <a:noFill/>
                 </a:ln>
@@ -4885,7 +4790,7 @@
               <a:t>np.exp</a:t>
             </a:r>
             <a:r>
-              <a:rPr kumimoji="0" lang="fr-FR" altLang="fr-FR" sz="1200" b="0" i="0" u="none" strike="noStrike" cap="none" normalizeH="0" baseline="0" dirty="0" smtClean="0">
+              <a:rPr kumimoji="0" lang="fr-FR" altLang="fr-FR" sz="1200" b="0" i="0" u="none" strike="noStrike" cap="none" normalizeH="0" baseline="0" dirty="0">
                 <a:ln>
                   <a:noFill/>
                 </a:ln>
@@ -4898,7 +4803,7 @@
               <a:t>(-</a:t>
             </a:r>
             <a:r>
-              <a:rPr kumimoji="0" lang="fr-FR" altLang="fr-FR" sz="1200" b="0" i="0" u="none" strike="noStrike" cap="none" normalizeH="0" baseline="0" dirty="0" err="1" smtClean="0">
+              <a:rPr kumimoji="0" lang="fr-FR" altLang="fr-FR" sz="1200" b="0" i="0" u="none" strike="noStrike" cap="none" normalizeH="0" baseline="0" dirty="0" err="1">
                 <a:ln>
                   <a:noFill/>
                 </a:ln>
@@ -4911,7 +4816,7 @@
               <a:t>np.power</a:t>
             </a:r>
             <a:r>
-              <a:rPr kumimoji="0" lang="fr-FR" altLang="fr-FR" sz="1200" b="0" i="0" u="none" strike="noStrike" cap="none" normalizeH="0" baseline="0" dirty="0" smtClean="0">
+              <a:rPr kumimoji="0" lang="fr-FR" altLang="fr-FR" sz="1200" b="0" i="0" u="none" strike="noStrike" cap="none" normalizeH="0" baseline="0" dirty="0">
                 <a:ln>
                   <a:noFill/>
                 </a:ln>
@@ -4924,7 +4829,7 @@
               <a:t>((x-mu),</a:t>
             </a:r>
             <a:r>
-              <a:rPr kumimoji="0" lang="fr-FR" altLang="fr-FR" sz="1200" b="0" i="0" u="none" strike="noStrike" cap="none" normalizeH="0" baseline="0" dirty="0" smtClean="0">
+              <a:rPr kumimoji="0" lang="fr-FR" altLang="fr-FR" sz="1200" b="0" i="0" u="none" strike="noStrike" cap="none" normalizeH="0" baseline="0" dirty="0">
                 <a:ln>
                   <a:noFill/>
                 </a:ln>
@@ -4937,7 +4842,7 @@
               <a:t>2</a:t>
             </a:r>
             <a:r>
-              <a:rPr kumimoji="0" lang="fr-FR" altLang="fr-FR" sz="1200" b="0" i="0" u="none" strike="noStrike" cap="none" normalizeH="0" baseline="0" dirty="0" smtClean="0">
+              <a:rPr kumimoji="0" lang="fr-FR" altLang="fr-FR" sz="1200" b="0" i="0" u="none" strike="noStrike" cap="none" normalizeH="0" baseline="0" dirty="0">
                 <a:ln>
                   <a:noFill/>
                 </a:ln>
@@ -4950,7 +4855,7 @@
               <a:t>)/(</a:t>
             </a:r>
             <a:r>
-              <a:rPr kumimoji="0" lang="fr-FR" altLang="fr-FR" sz="1200" b="0" i="0" u="none" strike="noStrike" cap="none" normalizeH="0" baseline="0" dirty="0" smtClean="0">
+              <a:rPr kumimoji="0" lang="fr-FR" altLang="fr-FR" sz="1200" b="0" i="0" u="none" strike="noStrike" cap="none" normalizeH="0" baseline="0" dirty="0">
                 <a:ln>
                   <a:noFill/>
                 </a:ln>
@@ -4963,7 +4868,7 @@
               <a:t>2</a:t>
             </a:r>
             <a:r>
-              <a:rPr kumimoji="0" lang="fr-FR" altLang="fr-FR" sz="1200" b="0" i="0" u="none" strike="noStrike" cap="none" normalizeH="0" baseline="0" dirty="0" smtClean="0">
+              <a:rPr kumimoji="0" lang="fr-FR" altLang="fr-FR" sz="1200" b="0" i="0" u="none" strike="noStrike" cap="none" normalizeH="0" baseline="0" dirty="0">
                 <a:ln>
                   <a:noFill/>
                 </a:ln>
@@ -4976,7 +4881,7 @@
               <a:t>*</a:t>
             </a:r>
             <a:r>
-              <a:rPr kumimoji="0" lang="fr-FR" altLang="fr-FR" sz="1200" b="0" i="0" u="none" strike="noStrike" cap="none" normalizeH="0" baseline="0" dirty="0" err="1" smtClean="0">
+              <a:rPr kumimoji="0" lang="fr-FR" altLang="fr-FR" sz="1200" b="0" i="0" u="none" strike="noStrike" cap="none" normalizeH="0" baseline="0" dirty="0" err="1">
                 <a:ln>
                   <a:noFill/>
                 </a:ln>
@@ -4989,7 +4894,7 @@
               <a:t>np.power</a:t>
             </a:r>
             <a:r>
-              <a:rPr kumimoji="0" lang="fr-FR" altLang="fr-FR" sz="1200" b="0" i="0" u="none" strike="noStrike" cap="none" normalizeH="0" baseline="0" dirty="0" smtClean="0">
+              <a:rPr kumimoji="0" lang="fr-FR" altLang="fr-FR" sz="1200" b="0" i="0" u="none" strike="noStrike" cap="none" normalizeH="0" baseline="0" dirty="0">
                 <a:ln>
                   <a:noFill/>
                 </a:ln>
@@ -5002,7 +4907,7 @@
               <a:t>(sigma,</a:t>
             </a:r>
             <a:r>
-              <a:rPr kumimoji="0" lang="fr-FR" altLang="fr-FR" sz="1200" b="0" i="0" u="none" strike="noStrike" cap="none" normalizeH="0" baseline="0" dirty="0" smtClean="0">
+              <a:rPr kumimoji="0" lang="fr-FR" altLang="fr-FR" sz="1200" b="0" i="0" u="none" strike="noStrike" cap="none" normalizeH="0" baseline="0" dirty="0">
                 <a:ln>
                   <a:noFill/>
                 </a:ln>
@@ -5015,7 +4920,7 @@
               <a:t>2</a:t>
             </a:r>
             <a:r>
-              <a:rPr kumimoji="0" lang="fr-FR" altLang="fr-FR" sz="1200" b="0" i="0" u="none" strike="noStrike" cap="none" normalizeH="0" baseline="0" dirty="0" smtClean="0">
+              <a:rPr kumimoji="0" lang="fr-FR" altLang="fr-FR" sz="1200" b="0" i="0" u="none" strike="noStrike" cap="none" normalizeH="0" baseline="0" dirty="0">
                 <a:ln>
                   <a:noFill/>
                 </a:ln>
@@ -5028,7 +4933,7 @@
               <a:t>)))</a:t>
             </a:r>
             <a:br>
-              <a:rPr kumimoji="0" lang="fr-FR" altLang="fr-FR" sz="1200" b="0" i="0" u="none" strike="noStrike" cap="none" normalizeH="0" baseline="0" dirty="0" smtClean="0">
+              <a:rPr kumimoji="0" lang="fr-FR" altLang="fr-FR" sz="1200" b="0" i="0" u="none" strike="noStrike" cap="none" normalizeH="0" baseline="0" dirty="0">
                 <a:ln>
                   <a:noFill/>
                 </a:ln>
@@ -5039,21 +4944,8 @@
                 <a:latin typeface="Consolas" panose="020B0609020204030204" pitchFamily="49" charset="0"/>
               </a:rPr>
             </a:br>
-            <a:r>
-              <a:rPr kumimoji="0" lang="fr-FR" altLang="fr-FR" sz="1200" b="0" i="0" u="none" strike="noStrike" cap="none" normalizeH="0" baseline="0" dirty="0" smtClean="0">
-                <a:ln>
-                  <a:noFill/>
-                </a:ln>
-                <a:solidFill>
-                  <a:srgbClr val="000000"/>
-                </a:solidFill>
-                <a:effectLst/>
-                <a:latin typeface="Consolas" panose="020B0609020204030204" pitchFamily="49" charset="0"/>
-              </a:rPr>
-              <a:t/>
-            </a:r>
             <a:br>
-              <a:rPr kumimoji="0" lang="fr-FR" altLang="fr-FR" sz="1200" b="0" i="0" u="none" strike="noStrike" cap="none" normalizeH="0" baseline="0" dirty="0" smtClean="0">
+              <a:rPr kumimoji="0" lang="fr-FR" altLang="fr-FR" sz="1200" b="0" i="0" u="none" strike="noStrike" cap="none" normalizeH="0" baseline="0" dirty="0">
                 <a:ln>
                   <a:noFill/>
                 </a:ln>
@@ -5065,7 +4957,7 @@
               </a:rPr>
             </a:br>
             <a:r>
-              <a:rPr kumimoji="0" lang="fr-FR" altLang="fr-FR" sz="1200" b="0" i="0" u="none" strike="noStrike" cap="none" normalizeH="0" baseline="0" dirty="0" smtClean="0">
+              <a:rPr kumimoji="0" lang="fr-FR" altLang="fr-FR" sz="1200" b="0" i="0" u="none" strike="noStrike" cap="none" normalizeH="0" baseline="0" dirty="0">
                 <a:ln>
                   <a:noFill/>
                 </a:ln>
@@ -5078,7 +4970,7 @@
               <a:t>y = f(x)</a:t>
             </a:r>
             <a:br>
-              <a:rPr kumimoji="0" lang="fr-FR" altLang="fr-FR" sz="1200" b="0" i="0" u="none" strike="noStrike" cap="none" normalizeH="0" baseline="0" dirty="0" smtClean="0">
+              <a:rPr kumimoji="0" lang="fr-FR" altLang="fr-FR" sz="1200" b="0" i="0" u="none" strike="noStrike" cap="none" normalizeH="0" baseline="0" dirty="0">
                 <a:ln>
                   <a:noFill/>
                 </a:ln>
@@ -5090,7 +4982,7 @@
               </a:rPr>
             </a:br>
             <a:r>
-              <a:rPr kumimoji="0" lang="fr-FR" altLang="fr-FR" sz="1200" b="0" i="0" u="none" strike="noStrike" cap="none" normalizeH="0" baseline="0" dirty="0" err="1" smtClean="0">
+              <a:rPr kumimoji="0" lang="fr-FR" altLang="fr-FR" sz="1200" b="0" i="0" u="none" strike="noStrike" cap="none" normalizeH="0" baseline="0" dirty="0" err="1">
                 <a:ln>
                   <a:noFill/>
                 </a:ln>
@@ -5103,7 +4995,7 @@
               <a:t>plt.plot</a:t>
             </a:r>
             <a:r>
-              <a:rPr kumimoji="0" lang="fr-FR" altLang="fr-FR" sz="1200" b="0" i="0" u="none" strike="noStrike" cap="none" normalizeH="0" baseline="0" dirty="0" smtClean="0">
+              <a:rPr kumimoji="0" lang="fr-FR" altLang="fr-FR" sz="1200" b="0" i="0" u="none" strike="noStrike" cap="none" normalizeH="0" baseline="0" dirty="0">
                 <a:ln>
                   <a:noFill/>
                 </a:ln>
@@ -5116,7 +5008,7 @@
               <a:t>(x, y)</a:t>
             </a:r>
             <a:br>
-              <a:rPr kumimoji="0" lang="fr-FR" altLang="fr-FR" sz="1200" b="0" i="0" u="none" strike="noStrike" cap="none" normalizeH="0" baseline="0" dirty="0" smtClean="0">
+              <a:rPr kumimoji="0" lang="fr-FR" altLang="fr-FR" sz="1200" b="0" i="0" u="none" strike="noStrike" cap="none" normalizeH="0" baseline="0" dirty="0">
                 <a:ln>
                   <a:noFill/>
                 </a:ln>
@@ -5128,7 +5020,7 @@
               </a:rPr>
             </a:br>
             <a:r>
-              <a:rPr kumimoji="0" lang="fr-FR" altLang="fr-FR" sz="1200" b="0" i="0" u="none" strike="noStrike" cap="none" normalizeH="0" baseline="0" dirty="0" err="1" smtClean="0">
+              <a:rPr kumimoji="0" lang="fr-FR" altLang="fr-FR" sz="1200" b="0" i="0" u="none" strike="noStrike" cap="none" normalizeH="0" baseline="0" dirty="0" err="1">
                 <a:ln>
                   <a:noFill/>
                 </a:ln>
@@ -5141,7 +5033,7 @@
               <a:t>plt.show</a:t>
             </a:r>
             <a:r>
-              <a:rPr kumimoji="0" lang="fr-FR" altLang="fr-FR" sz="1200" b="0" i="0" u="none" strike="noStrike" cap="none" normalizeH="0" baseline="0" dirty="0" smtClean="0">
+              <a:rPr kumimoji="0" lang="fr-FR" altLang="fr-FR" sz="1200" b="0" i="0" u="none" strike="noStrike" cap="none" normalizeH="0" baseline="0" dirty="0">
                 <a:ln>
                   <a:noFill/>
                 </a:ln>
@@ -5153,7 +5045,7 @@
               </a:rPr>
               <a:t>()</a:t>
             </a:r>
-            <a:endParaRPr kumimoji="0" lang="fr-FR" altLang="fr-FR" sz="2800" b="0" i="0" u="none" strike="noStrike" cap="none" normalizeH="0" baseline="0" dirty="0" smtClean="0">
+            <a:endParaRPr kumimoji="0" lang="fr-FR" altLang="fr-FR" sz="2800" b="0" i="0" u="none" strike="noStrike" cap="none" normalizeH="0" baseline="0" dirty="0">
               <a:ln>
                 <a:noFill/>
               </a:ln>
@@ -5176,13 +5068,6 @@
   <p:clrMapOvr>
     <a:masterClrMapping/>
   </p:clrMapOvr>
-  <p:timing>
-    <p:tnLst>
-      <p:par>
-        <p:cTn id="1" dur="indefinite" restart="never" nodeType="tmRoot"/>
-      </p:par>
-    </p:tnLst>
-  </p:timing>
 </p:sld>
 </file>
 
@@ -5219,10 +5104,9 @@
           <a:lstStyle/>
           <a:p>
             <a:r>
-              <a:rPr lang="fr-FR" dirty="0" smtClean="0"/>
+              <a:rPr lang="fr-FR" dirty="0"/>
               <a:t>Loi normale</a:t>
             </a:r>
-            <a:endParaRPr lang="fr-FR" dirty="0"/>
           </a:p>
         </p:txBody>
       </p:sp>
@@ -5242,26 +5126,26 @@
           <a:lstStyle/>
           <a:p>
             <a:r>
-              <a:rPr lang="fr-FR" dirty="0" smtClean="0"/>
+              <a:rPr lang="fr-FR" dirty="0"/>
               <a:t>Avec le calcul de la distribution des données il est possible de filtrer les données trop éloignée de la loi normale</a:t>
             </a:r>
           </a:p>
           <a:p>
             <a:pPr lvl="1"/>
             <a:r>
-              <a:rPr lang="fr-FR" dirty="0" smtClean="0"/>
+              <a:rPr lang="fr-FR" dirty="0"/>
               <a:t>Possibilité de filtrer les données &gt; 3 * Sigma</a:t>
             </a:r>
           </a:p>
           <a:p>
             <a:r>
-              <a:rPr lang="fr-FR" dirty="0" smtClean="0"/>
+              <a:rPr lang="fr-FR" dirty="0"/>
               <a:t>Possibilité de calculer la médiane, quartile, décile, centile</a:t>
             </a:r>
           </a:p>
           <a:p>
             <a:pPr lvl="1"/>
-            <a:endParaRPr lang="fr-FR" dirty="0" smtClean="0"/>
+            <a:endParaRPr lang="fr-FR" dirty="0"/>
           </a:p>
         </p:txBody>
       </p:sp>
@@ -5275,13 +5159,6 @@
   <p:clrMapOvr>
     <a:masterClrMapping/>
   </p:clrMapOvr>
-  <p:timing>
-    <p:tnLst>
-      <p:par>
-        <p:cTn id="1" dur="indefinite" restart="never" nodeType="tmRoot"/>
-      </p:par>
-    </p:tnLst>
-  </p:timing>
 </p:sld>
 </file>
 
@@ -5318,10 +5195,9 @@
           <a:lstStyle/>
           <a:p>
             <a:r>
-              <a:rPr lang="fr-FR" dirty="0" smtClean="0"/>
+              <a:rPr lang="fr-FR" dirty="0"/>
               <a:t>Stat</a:t>
             </a:r>
-            <a:endParaRPr lang="fr-FR" dirty="0"/>
           </a:p>
         </p:txBody>
       </p:sp>
@@ -5341,7 +5217,7 @@
           <a:lstStyle/>
           <a:p>
             <a:r>
-              <a:rPr lang="fr-FR" dirty="0" smtClean="0"/>
+              <a:rPr lang="fr-FR" dirty="0"/>
               <a:t>Outils pour les statistiques</a:t>
             </a:r>
           </a:p>
@@ -5349,53 +5225,58 @@
             <a:endParaRPr lang="fr-FR" dirty="0"/>
           </a:p>
           <a:p>
-            <a:endParaRPr lang="fr-FR" dirty="0" smtClean="0"/>
-          </a:p>
-          <a:p>
             <a:endParaRPr lang="fr-FR" dirty="0"/>
           </a:p>
           <a:p>
-            <a:endParaRPr lang="fr-FR" dirty="0" smtClean="0"/>
-          </a:p>
-          <a:p>
-            <a:r>
-              <a:rPr lang="fr-FR" dirty="0" smtClean="0"/>
+            <a:endParaRPr lang="fr-FR" dirty="0"/>
+          </a:p>
+          <a:p>
+            <a:endParaRPr lang="fr-FR" dirty="0"/>
+          </a:p>
+          <a:p>
+            <a:r>
+              <a:rPr lang="fr-FR" dirty="0"/>
               <a:t>Le 2</a:t>
             </a:r>
             <a:r>
-              <a:rPr lang="fr-FR" baseline="30000" dirty="0" smtClean="0"/>
+              <a:rPr lang="fr-FR" baseline="30000" dirty="0"/>
               <a:t>ème</a:t>
             </a:r>
             <a:r>
-              <a:rPr lang="fr-FR" dirty="0" smtClean="0"/>
+              <a:rPr lang="fr-FR" dirty="0"/>
               <a:t> paramètre est l’axe (axis)</a:t>
             </a:r>
           </a:p>
           <a:p>
             <a:pPr lvl="1"/>
             <a:r>
-              <a:rPr lang="fr-FR" dirty="0" smtClean="0"/>
+              <a:rPr lang="fr-FR" dirty="0"/>
               <a:t>None (défaut) calcul sur la matrice aplatie</a:t>
             </a:r>
           </a:p>
           <a:p>
             <a:pPr lvl="1"/>
             <a:r>
-              <a:rPr lang="fr-FR" dirty="0" smtClean="0"/>
-              <a:t>0 : Calcul sur la dimension 0 (lignes)</a:t>
+              <a:rPr lang="fr-FR" dirty="0"/>
+              <a:t>0 : Calcul sur la dimension 0 (sur les colonnes)</a:t>
             </a:r>
           </a:p>
           <a:p>
             <a:pPr lvl="1"/>
             <a:r>
-              <a:rPr lang="fr-FR" dirty="0" smtClean="0"/>
-              <a:t>1 : Calcul par colonne</a:t>
-            </a:r>
+              <a:rPr lang="fr-FR" dirty="0"/>
+              <a:t>1 : Calcul </a:t>
+            </a:r>
+            <a:r>
+              <a:rPr lang="fr-FR"/>
+              <a:t>par ligne</a:t>
+            </a:r>
+            <a:endParaRPr lang="fr-FR" dirty="0"/>
           </a:p>
           <a:p>
             <a:pPr lvl="1"/>
             <a:r>
-              <a:rPr lang="fr-FR" dirty="0" smtClean="0"/>
+              <a:rPr lang="fr-FR" dirty="0"/>
               <a:t>N : Calcul sur la dimension n, notion de réduction</a:t>
             </a:r>
           </a:p>
@@ -5438,13 +5319,6 @@
   <p:clrMapOvr>
     <a:masterClrMapping/>
   </p:clrMapOvr>
-  <p:timing>
-    <p:tnLst>
-      <p:par>
-        <p:cTn id="1" dur="indefinite" restart="never" nodeType="tmRoot"/>
-      </p:par>
-    </p:tnLst>
-  </p:timing>
 </p:sld>
 </file>
 
@@ -5481,10 +5355,9 @@
           <a:lstStyle/>
           <a:p>
             <a:r>
-              <a:rPr lang="fr-FR" dirty="0" smtClean="0"/>
+              <a:rPr lang="fr-FR" dirty="0"/>
               <a:t>Théorème centrale limite</a:t>
             </a:r>
-            <a:endParaRPr lang="fr-FR" dirty="0"/>
           </a:p>
         </p:txBody>
       </p:sp>
@@ -5504,34 +5377,34 @@
           <a:lstStyle/>
           <a:p>
             <a:r>
-              <a:rPr lang="fr-FR" dirty="0" smtClean="0"/>
+              <a:rPr lang="fr-FR" dirty="0"/>
               <a:t>Soit une matrice aléatoires avec des valeurs [-n, n]</a:t>
             </a:r>
           </a:p>
           <a:p>
             <a:pPr lvl="1"/>
             <a:r>
-              <a:rPr lang="fr-FR" dirty="0" smtClean="0"/>
+              <a:rPr lang="fr-FR" dirty="0"/>
               <a:t>La moyenne et la somme est 0</a:t>
             </a:r>
           </a:p>
           <a:p>
             <a:pPr lvl="1"/>
             <a:r>
-              <a:rPr lang="fr-FR" dirty="0" smtClean="0"/>
+              <a:rPr lang="fr-FR" dirty="0"/>
               <a:t>La distribution des sommes des lignes est gaussienne centrée sur 0</a:t>
             </a:r>
           </a:p>
           <a:p>
             <a:pPr lvl="1"/>
             <a:r>
-              <a:rPr lang="fr-FR" dirty="0" smtClean="0"/>
+              <a:rPr lang="fr-FR" dirty="0"/>
               <a:t>Médiane = moyenne</a:t>
             </a:r>
           </a:p>
           <a:p>
             <a:pPr lvl="1"/>
-            <a:endParaRPr lang="fr-FR" dirty="0" smtClean="0"/>
+            <a:endParaRPr lang="fr-FR" dirty="0"/>
           </a:p>
           <a:p>
             <a:pPr lvl="1"/>
@@ -5549,13 +5422,6 @@
   <p:clrMapOvr>
     <a:masterClrMapping/>
   </p:clrMapOvr>
-  <p:timing>
-    <p:tnLst>
-      <p:par>
-        <p:cTn id="1" dur="indefinite" restart="never" nodeType="tmRoot"/>
-      </p:par>
-    </p:tnLst>
-  </p:timing>
 </p:sld>
 </file>
 
@@ -5592,10 +5458,9 @@
           <a:lstStyle/>
           <a:p>
             <a:r>
-              <a:rPr lang="fr-FR" dirty="0" smtClean="0"/>
+              <a:rPr lang="fr-FR" dirty="0"/>
               <a:t>Cas non gaussien</a:t>
             </a:r>
-            <a:endParaRPr lang="fr-FR" dirty="0"/>
           </a:p>
         </p:txBody>
       </p:sp>
@@ -5615,53 +5480,53 @@
           <a:lstStyle/>
           <a:p>
             <a:r>
-              <a:rPr lang="fr-FR" dirty="0" smtClean="0"/>
+              <a:rPr lang="fr-FR" dirty="0"/>
               <a:t>Les distribution des salaire en France ne suit pas une gaussienne</a:t>
             </a:r>
           </a:p>
           <a:p>
             <a:pPr lvl="1"/>
             <a:r>
-              <a:rPr lang="fr-FR" dirty="0" smtClean="0"/>
+              <a:rPr lang="fr-FR" dirty="0"/>
               <a:t>C’est une gaussienne asymétrique</a:t>
             </a:r>
           </a:p>
           <a:p>
             <a:r>
-              <a:rPr lang="fr-FR" dirty="0" smtClean="0"/>
+              <a:rPr lang="fr-FR" dirty="0"/>
               <a:t>La moyenne et l’écart type n’ont pas de sens</a:t>
             </a:r>
           </a:p>
           <a:p>
             <a:r>
-              <a:rPr lang="fr-FR" dirty="0" smtClean="0"/>
+              <a:rPr lang="fr-FR" dirty="0"/>
               <a:t>Il faut utilise la médiane et les *iles</a:t>
             </a:r>
           </a:p>
           <a:p>
             <a:r>
-              <a:rPr lang="fr-FR" dirty="0" smtClean="0"/>
+              <a:rPr lang="fr-FR" dirty="0"/>
               <a:t>Exemple</a:t>
             </a:r>
           </a:p>
           <a:p>
             <a:pPr lvl="1"/>
             <a:r>
-              <a:rPr lang="fr-FR" dirty="0" smtClean="0"/>
+              <a:rPr lang="fr-FR" dirty="0"/>
               <a:t>Salaire équivalent temps plein net</a:t>
             </a:r>
           </a:p>
           <a:p>
             <a:pPr lvl="1"/>
             <a:r>
-              <a:rPr lang="fr-FR" dirty="0" smtClean="0"/>
+              <a:rPr lang="fr-FR" dirty="0"/>
               <a:t>Salaire moyen : 2250 €</a:t>
             </a:r>
           </a:p>
           <a:p>
             <a:pPr lvl="1"/>
             <a:r>
-              <a:rPr lang="fr-FR" dirty="0" smtClean="0"/>
+              <a:rPr lang="fr-FR" dirty="0"/>
               <a:t>Salaire médian : 1797 €</a:t>
             </a:r>
           </a:p>
@@ -5722,13 +5587,6 @@
   <p:clrMapOvr>
     <a:masterClrMapping/>
   </p:clrMapOvr>
-  <p:timing>
-    <p:tnLst>
-      <p:par>
-        <p:cTn id="1" dur="indefinite" restart="never" nodeType="tmRoot"/>
-      </p:par>
-    </p:tnLst>
-  </p:timing>
 </p:sld>
 </file>
 
